--- a/diagrams/uml/classDiagrams/enumerations/playerTurn.pptx
+++ b/diagrams/uml/classDiagrams/enumerations/playerTurn.pptx
@@ -104,6 +104,22 @@
       </a:defRPr>
     </a:lvl9pPr>
   </p:defaultTextStyle>
+  <p:extLst>
+    <p:ext uri="{EFAFB233-063F-42B5-8137-9DF3F51BA10A}">
+      <p15:sldGuideLst xmlns:p15="http://schemas.microsoft.com/office/powerpoint/2012/main">
+        <p15:guide id="1" orient="horz" pos="2160">
+          <p15:clr>
+            <a:srgbClr val="A4A3A4"/>
+          </p15:clr>
+        </p15:guide>
+        <p15:guide id="2" pos="2880">
+          <p15:clr>
+            <a:srgbClr val="A4A3A4"/>
+          </p15:clr>
+        </p15:guide>
+      </p15:sldGuideLst>
+    </p:ext>
+  </p:extLst>
 </p:presentation>
 </file>
 
@@ -288,7 +304,7 @@
           <a:p>
             <a:fld id="{A0F86979-30DA-49EE-A740-32EBA6D2B7DE}" type="datetimeFigureOut">
               <a:rPr lang="en-SG" smtClean="0"/>
-              <a:t>8/6/2017</a:t>
+              <a:t>31/8/2017</a:t>
             </a:fld>
             <a:endParaRPr lang="en-SG"/>
           </a:p>
@@ -458,7 +474,7 @@
           <a:p>
             <a:fld id="{A0F86979-30DA-49EE-A740-32EBA6D2B7DE}" type="datetimeFigureOut">
               <a:rPr lang="en-SG" smtClean="0"/>
-              <a:t>8/6/2017</a:t>
+              <a:t>31/8/2017</a:t>
             </a:fld>
             <a:endParaRPr lang="en-SG"/>
           </a:p>
@@ -638,7 +654,7 @@
           <a:p>
             <a:fld id="{A0F86979-30DA-49EE-A740-32EBA6D2B7DE}" type="datetimeFigureOut">
               <a:rPr lang="en-SG" smtClean="0"/>
-              <a:t>8/6/2017</a:t>
+              <a:t>31/8/2017</a:t>
             </a:fld>
             <a:endParaRPr lang="en-SG"/>
           </a:p>
@@ -808,7 +824,7 @@
           <a:p>
             <a:fld id="{A0F86979-30DA-49EE-A740-32EBA6D2B7DE}" type="datetimeFigureOut">
               <a:rPr lang="en-SG" smtClean="0"/>
-              <a:t>8/6/2017</a:t>
+              <a:t>31/8/2017</a:t>
             </a:fld>
             <a:endParaRPr lang="en-SG"/>
           </a:p>
@@ -1054,7 +1070,7 @@
           <a:p>
             <a:fld id="{A0F86979-30DA-49EE-A740-32EBA6D2B7DE}" type="datetimeFigureOut">
               <a:rPr lang="en-SG" smtClean="0"/>
-              <a:t>8/6/2017</a:t>
+              <a:t>31/8/2017</a:t>
             </a:fld>
             <a:endParaRPr lang="en-SG"/>
           </a:p>
@@ -1342,7 +1358,7 @@
           <a:p>
             <a:fld id="{A0F86979-30DA-49EE-A740-32EBA6D2B7DE}" type="datetimeFigureOut">
               <a:rPr lang="en-SG" smtClean="0"/>
-              <a:t>8/6/2017</a:t>
+              <a:t>31/8/2017</a:t>
             </a:fld>
             <a:endParaRPr lang="en-SG"/>
           </a:p>
@@ -1764,7 +1780,7 @@
           <a:p>
             <a:fld id="{A0F86979-30DA-49EE-A740-32EBA6D2B7DE}" type="datetimeFigureOut">
               <a:rPr lang="en-SG" smtClean="0"/>
-              <a:t>8/6/2017</a:t>
+              <a:t>31/8/2017</a:t>
             </a:fld>
             <a:endParaRPr lang="en-SG"/>
           </a:p>
@@ -1882,7 +1898,7 @@
           <a:p>
             <a:fld id="{A0F86979-30DA-49EE-A740-32EBA6D2B7DE}" type="datetimeFigureOut">
               <a:rPr lang="en-SG" smtClean="0"/>
-              <a:t>8/6/2017</a:t>
+              <a:t>31/8/2017</a:t>
             </a:fld>
             <a:endParaRPr lang="en-SG"/>
           </a:p>
@@ -1977,7 +1993,7 @@
           <a:p>
             <a:fld id="{A0F86979-30DA-49EE-A740-32EBA6D2B7DE}" type="datetimeFigureOut">
               <a:rPr lang="en-SG" smtClean="0"/>
-              <a:t>8/6/2017</a:t>
+              <a:t>31/8/2017</a:t>
             </a:fld>
             <a:endParaRPr lang="en-SG"/>
           </a:p>
@@ -2254,7 +2270,7 @@
           <a:p>
             <a:fld id="{A0F86979-30DA-49EE-A740-32EBA6D2B7DE}" type="datetimeFigureOut">
               <a:rPr lang="en-SG" smtClean="0"/>
-              <a:t>8/6/2017</a:t>
+              <a:t>31/8/2017</a:t>
             </a:fld>
             <a:endParaRPr lang="en-SG"/>
           </a:p>
@@ -2507,7 +2523,7 @@
           <a:p>
             <a:fld id="{A0F86979-30DA-49EE-A740-32EBA6D2B7DE}" type="datetimeFigureOut">
               <a:rPr lang="en-SG" smtClean="0"/>
-              <a:t>8/6/2017</a:t>
+              <a:t>31/8/2017</a:t>
             </a:fld>
             <a:endParaRPr lang="en-SG"/>
           </a:p>
@@ -2720,7 +2736,7 @@
           <a:p>
             <a:fld id="{A0F86979-30DA-49EE-A740-32EBA6D2B7DE}" type="datetimeFigureOut">
               <a:rPr lang="en-SG" smtClean="0"/>
-              <a:t>8/6/2017</a:t>
+              <a:t>31/8/2017</a:t>
             </a:fld>
             <a:endParaRPr lang="en-SG"/>
           </a:p>
@@ -3103,7 +3119,177 @@
         </p:nvSpPr>
         <p:spPr>
           <a:xfrm>
-            <a:off x="304800" y="4671535"/>
+            <a:off x="87288" y="2365557"/>
+            <a:ext cx="1446584" cy="369332"/>
+          </a:xfrm>
+          <a:prstGeom prst="rect">
+            <a:avLst/>
+          </a:prstGeom>
+          <a:solidFill>
+            <a:srgbClr val="8064A2">
+              <a:tint val="50000"/>
+              <a:satMod val="300000"/>
+            </a:srgbClr>
+          </a:solidFill>
+          <a:ln w="9525" cap="flat" cmpd="sng" algn="ctr">
+            <a:solidFill>
+              <a:schemeClr val="tx1"/>
+            </a:solidFill>
+            <a:prstDash val="solid"/>
+          </a:ln>
+          <a:effectLst>
+            <a:outerShdw blurRad="40000" dist="20000" dir="5400000" rotWithShape="0">
+              <a:srgbClr val="000000">
+                <a:alpha val="38000"/>
+              </a:srgbClr>
+            </a:outerShdw>
+          </a:effectLst>
+        </p:spPr>
+        <p:txBody>
+          <a:bodyPr wrap="square" rtlCol="0" anchor="ctr">
+            <a:spAutoFit/>
+          </a:bodyPr>
+          <a:lstStyle/>
+          <a:p>
+            <a:pPr marL="0" marR="0" lvl="0" indent="0" algn="ctr" defTabSz="914400" eaLnBrk="1" fontAlgn="auto" latinLnBrk="0" hangingPunct="1">
+              <a:lnSpc>
+                <a:spcPct val="100000"/>
+              </a:lnSpc>
+              <a:spcBef>
+                <a:spcPts val="0"/>
+              </a:spcBef>
+              <a:spcAft>
+                <a:spcPts val="0"/>
+              </a:spcAft>
+              <a:buClrTx/>
+              <a:buSzTx/>
+              <a:buFontTx/>
+              <a:buNone/>
+              <a:tabLst/>
+              <a:defRPr/>
+            </a:pPr>
+            <a:r>
+              <a:rPr kumimoji="0" lang="en-US" sz="1800" b="0" i="0" u="none" strike="noStrike" kern="0" cap="none" spc="0" normalizeH="0" baseline="0" noProof="0" dirty="0" smtClean="0">
+                <a:ln>
+                  <a:noFill/>
+                </a:ln>
+                <a:solidFill>
+                  <a:sysClr val="windowText" lastClr="000000"/>
+                </a:solidFill>
+                <a:effectLst/>
+                <a:uLnTx/>
+                <a:uFillTx/>
+                <a:latin typeface="Calibri" pitchFamily="34" charset="0"/>
+              </a:rPr>
+              <a:t>Player</a:t>
+            </a:r>
+            <a:endParaRPr kumimoji="0" lang="en-US" sz="1800" b="0" i="0" u="none" strike="noStrike" kern="0" cap="none" spc="0" normalizeH="0" baseline="0" noProof="0" dirty="0">
+              <a:ln>
+                <a:noFill/>
+              </a:ln>
+              <a:solidFill>
+                <a:sysClr val="windowText" lastClr="000000"/>
+              </a:solidFill>
+              <a:effectLst/>
+              <a:uLnTx/>
+              <a:uFillTx/>
+              <a:latin typeface="Calibri" pitchFamily="34" charset="0"/>
+            </a:endParaRPr>
+          </a:p>
+        </p:txBody>
+      </p:sp>
+      <p:sp>
+        <p:nvSpPr>
+          <p:cNvPr id="32" name="Rectangle 31"/>
+          <p:cNvSpPr/>
+          <p:nvPr/>
+        </p:nvSpPr>
+        <p:spPr>
+          <a:xfrm>
+            <a:off x="2219672" y="3508557"/>
+            <a:ext cx="2438400" cy="369332"/>
+          </a:xfrm>
+          <a:prstGeom prst="rect">
+            <a:avLst/>
+          </a:prstGeom>
+          <a:ln/>
+        </p:spPr>
+        <p:style>
+          <a:lnRef idx="1">
+            <a:schemeClr val="accent5"/>
+          </a:lnRef>
+          <a:fillRef idx="2">
+            <a:schemeClr val="accent5"/>
+          </a:fillRef>
+          <a:effectRef idx="1">
+            <a:schemeClr val="accent5"/>
+          </a:effectRef>
+          <a:fontRef idx="minor">
+            <a:schemeClr val="dk1"/>
+          </a:fontRef>
+        </p:style>
+        <p:txBody>
+          <a:bodyPr wrap="square" rtlCol="0" anchor="ctr">
+            <a:spAutoFit/>
+          </a:bodyPr>
+          <a:lstStyle/>
+          <a:p>
+            <a:pPr marL="0" marR="0" lvl="0" indent="0" algn="ctr" defTabSz="914400" eaLnBrk="1" fontAlgn="auto" latinLnBrk="0" hangingPunct="1">
+              <a:lnSpc>
+                <a:spcPct val="100000"/>
+              </a:lnSpc>
+              <a:spcBef>
+                <a:spcPts val="0"/>
+              </a:spcBef>
+              <a:spcAft>
+                <a:spcPts val="0"/>
+              </a:spcAft>
+              <a:buClrTx/>
+              <a:buSzTx/>
+              <a:buFontTx/>
+              <a:buNone/>
+              <a:tabLst/>
+              <a:defRPr/>
+            </a:pPr>
+            <a:r>
+              <a:rPr kumimoji="0" lang="en-US" sz="1800" b="0" i="0" u="none" strike="noStrike" kern="0" cap="none" spc="0" normalizeH="0" baseline="0" noProof="0" dirty="0" smtClean="0">
+                <a:ln>
+                  <a:noFill/>
+                </a:ln>
+                <a:solidFill>
+                  <a:sysClr val="windowText" lastClr="000000"/>
+                </a:solidFill>
+                <a:effectLst/>
+                <a:uLnTx/>
+                <a:uFillTx/>
+                <a:latin typeface="Calibri" pitchFamily="34" charset="0"/>
+              </a:rPr>
+              <a:t>Die</a:t>
+            </a:r>
+            <a:endParaRPr kumimoji="0" lang="en-US" sz="1800" b="0" i="0" u="none" strike="noStrike" kern="0" cap="none" spc="0" normalizeH="0" baseline="0" noProof="0" dirty="0">
+              <a:ln>
+                <a:noFill/>
+              </a:ln>
+              <a:solidFill>
+                <a:sysClr val="windowText" lastClr="000000"/>
+              </a:solidFill>
+              <a:effectLst/>
+              <a:uLnTx/>
+              <a:uFillTx/>
+              <a:latin typeface="Calibri" pitchFamily="34" charset="0"/>
+            </a:endParaRPr>
+          </a:p>
+        </p:txBody>
+      </p:sp>
+      <p:sp>
+        <p:nvSpPr>
+          <p:cNvPr id="33" name="Rectangle 32"/>
+          <p:cNvSpPr/>
+          <p:nvPr/>
+        </p:nvSpPr>
+        <p:spPr>
+          <a:xfrm>
+            <a:off x="2905472" y="2365557"/>
             <a:ext cx="1143000" cy="369332"/>
           </a:xfrm>
           <a:prstGeom prst="rect">
@@ -3165,7 +3351,7 @@
                 <a:uFillTx/>
                 <a:latin typeface="Calibri" pitchFamily="34" charset="0"/>
               </a:rPr>
-              <a:t>Player</a:t>
+              <a:t>Turn</a:t>
             </a:r>
             <a:endParaRPr kumimoji="0" lang="en-US" sz="1800" b="0" i="0" u="none" strike="noStrike" kern="0" cap="none" spc="0" normalizeH="0" baseline="0" noProof="0" dirty="0">
               <a:ln>
@@ -3182,197 +3368,6 @@
           </a:p>
         </p:txBody>
       </p:sp>
-      <p:sp>
-        <p:nvSpPr>
-          <p:cNvPr id="32" name="Rectangle 31"/>
-          <p:cNvSpPr/>
-          <p:nvPr/>
-        </p:nvSpPr>
-        <p:spPr>
-          <a:xfrm>
-            <a:off x="2133600" y="5814535"/>
-            <a:ext cx="2438400" cy="369332"/>
-          </a:xfrm>
-          <a:prstGeom prst="rect">
-            <a:avLst/>
-          </a:prstGeom>
-          <a:gradFill rotWithShape="1">
-            <a:gsLst>
-              <a:gs pos="0">
-                <a:srgbClr val="9BBB59">
-                  <a:tint val="50000"/>
-                  <a:satMod val="300000"/>
-                </a:srgbClr>
-              </a:gs>
-              <a:gs pos="35000">
-                <a:srgbClr val="9BBB59">
-                  <a:tint val="37000"/>
-                  <a:satMod val="300000"/>
-                </a:srgbClr>
-              </a:gs>
-              <a:gs pos="100000">
-                <a:srgbClr val="9BBB59">
-                  <a:tint val="15000"/>
-                  <a:satMod val="350000"/>
-                </a:srgbClr>
-              </a:gs>
-            </a:gsLst>
-            <a:lin ang="16200000" scaled="1"/>
-          </a:gradFill>
-          <a:ln w="9525" cap="flat" cmpd="sng" algn="ctr">
-            <a:solidFill>
-              <a:schemeClr val="tx1"/>
-            </a:solidFill>
-            <a:prstDash val="solid"/>
-          </a:ln>
-          <a:effectLst>
-            <a:outerShdw blurRad="40000" dist="20000" dir="5400000" rotWithShape="0">
-              <a:srgbClr val="000000">
-                <a:alpha val="38000"/>
-              </a:srgbClr>
-            </a:outerShdw>
-          </a:effectLst>
-        </p:spPr>
-        <p:txBody>
-          <a:bodyPr wrap="square" rtlCol="0" anchor="ctr">
-            <a:spAutoFit/>
-          </a:bodyPr>
-          <a:lstStyle/>
-          <a:p>
-            <a:pPr marL="0" marR="0" lvl="0" indent="0" algn="ctr" defTabSz="914400" eaLnBrk="1" fontAlgn="auto" latinLnBrk="0" hangingPunct="1">
-              <a:lnSpc>
-                <a:spcPct val="100000"/>
-              </a:lnSpc>
-              <a:spcBef>
-                <a:spcPts val="0"/>
-              </a:spcBef>
-              <a:spcAft>
-                <a:spcPts val="0"/>
-              </a:spcAft>
-              <a:buClrTx/>
-              <a:buSzTx/>
-              <a:buFontTx/>
-              <a:buNone/>
-              <a:tabLst/>
-              <a:defRPr/>
-            </a:pPr>
-            <a:r>
-              <a:rPr kumimoji="0" lang="en-US" sz="1800" b="0" i="0" u="none" strike="noStrike" kern="0" cap="none" spc="0" normalizeH="0" baseline="0" noProof="0" dirty="0" smtClean="0">
-                <a:ln>
-                  <a:noFill/>
-                </a:ln>
-                <a:solidFill>
-                  <a:sysClr val="windowText" lastClr="000000"/>
-                </a:solidFill>
-                <a:effectLst/>
-                <a:uLnTx/>
-                <a:uFillTx/>
-                <a:latin typeface="Calibri" pitchFamily="34" charset="0"/>
-              </a:rPr>
-              <a:t>Die</a:t>
-            </a:r>
-            <a:endParaRPr kumimoji="0" lang="en-US" sz="1800" b="0" i="0" u="none" strike="noStrike" kern="0" cap="none" spc="0" normalizeH="0" baseline="0" noProof="0" dirty="0">
-              <a:ln>
-                <a:noFill/>
-              </a:ln>
-              <a:solidFill>
-                <a:sysClr val="windowText" lastClr="000000"/>
-              </a:solidFill>
-              <a:effectLst/>
-              <a:uLnTx/>
-              <a:uFillTx/>
-              <a:latin typeface="Calibri" pitchFamily="34" charset="0"/>
-            </a:endParaRPr>
-          </a:p>
-        </p:txBody>
-      </p:sp>
-      <p:sp>
-        <p:nvSpPr>
-          <p:cNvPr id="33" name="Rectangle 32"/>
-          <p:cNvSpPr/>
-          <p:nvPr/>
-        </p:nvSpPr>
-        <p:spPr>
-          <a:xfrm>
-            <a:off x="2819400" y="4671535"/>
-            <a:ext cx="1143000" cy="369332"/>
-          </a:xfrm>
-          <a:prstGeom prst="rect">
-            <a:avLst/>
-          </a:prstGeom>
-          <a:solidFill>
-            <a:srgbClr val="8064A2">
-              <a:tint val="50000"/>
-              <a:satMod val="300000"/>
-            </a:srgbClr>
-          </a:solidFill>
-          <a:ln w="9525" cap="flat" cmpd="sng" algn="ctr">
-            <a:solidFill>
-              <a:schemeClr val="tx1"/>
-            </a:solidFill>
-            <a:prstDash val="solid"/>
-          </a:ln>
-          <a:effectLst>
-            <a:outerShdw blurRad="40000" dist="20000" dir="5400000" rotWithShape="0">
-              <a:srgbClr val="000000">
-                <a:alpha val="38000"/>
-              </a:srgbClr>
-            </a:outerShdw>
-          </a:effectLst>
-        </p:spPr>
-        <p:txBody>
-          <a:bodyPr wrap="square" rtlCol="0" anchor="ctr">
-            <a:spAutoFit/>
-          </a:bodyPr>
-          <a:lstStyle/>
-          <a:p>
-            <a:pPr marL="0" marR="0" lvl="0" indent="0" algn="ctr" defTabSz="914400" eaLnBrk="1" fontAlgn="auto" latinLnBrk="0" hangingPunct="1">
-              <a:lnSpc>
-                <a:spcPct val="100000"/>
-              </a:lnSpc>
-              <a:spcBef>
-                <a:spcPts val="0"/>
-              </a:spcBef>
-              <a:spcAft>
-                <a:spcPts val="0"/>
-              </a:spcAft>
-              <a:buClrTx/>
-              <a:buSzTx/>
-              <a:buFontTx/>
-              <a:buNone/>
-              <a:tabLst/>
-              <a:defRPr/>
-            </a:pPr>
-            <a:r>
-              <a:rPr kumimoji="0" lang="en-US" sz="1800" b="0" i="0" u="none" strike="noStrike" kern="0" cap="none" spc="0" normalizeH="0" baseline="0" noProof="0" dirty="0" smtClean="0">
-                <a:ln>
-                  <a:noFill/>
-                </a:ln>
-                <a:solidFill>
-                  <a:sysClr val="windowText" lastClr="000000"/>
-                </a:solidFill>
-                <a:effectLst/>
-                <a:uLnTx/>
-                <a:uFillTx/>
-                <a:latin typeface="Calibri" pitchFamily="34" charset="0"/>
-              </a:rPr>
-              <a:t>Turn</a:t>
-            </a:r>
-            <a:endParaRPr kumimoji="0" lang="en-US" sz="1800" b="0" i="0" u="none" strike="noStrike" kern="0" cap="none" spc="0" normalizeH="0" baseline="0" noProof="0" dirty="0">
-              <a:ln>
-                <a:noFill/>
-              </a:ln>
-              <a:solidFill>
-                <a:sysClr val="windowText" lastClr="000000"/>
-              </a:solidFill>
-              <a:effectLst/>
-              <a:uLnTx/>
-              <a:uFillTx/>
-              <a:latin typeface="Calibri" pitchFamily="34" charset="0"/>
-            </a:endParaRPr>
-          </a:p>
-        </p:txBody>
-      </p:sp>
       <p:cxnSp>
         <p:nvCxnSpPr>
           <p:cNvPr id="34" name="Elbow Connector 33"/>
@@ -3384,8 +3379,8 @@
         </p:nvCxnSpPr>
         <p:spPr>
           <a:xfrm>
-            <a:off x="1447800" y="4856201"/>
-            <a:ext cx="1371600" cy="1588"/>
+            <a:off x="1533872" y="2550223"/>
+            <a:ext cx="1371600" cy="12700"/>
           </a:xfrm>
           <a:prstGeom prst="bentConnector3">
             <a:avLst>
@@ -3413,7 +3408,7 @@
         </p:nvCxnSpPr>
         <p:spPr>
           <a:xfrm rot="5400000" flipH="1" flipV="1">
-            <a:off x="2985016" y="5408651"/>
+            <a:off x="3071088" y="3102673"/>
             <a:ext cx="773668" cy="38100"/>
           </a:xfrm>
           <a:prstGeom prst="bentConnector3">
@@ -3439,49 +3434,28 @@
         </p:nvSpPr>
         <p:spPr>
           <a:xfrm>
-            <a:off x="2133600" y="6183868"/>
+            <a:off x="2219672" y="3877890"/>
             <a:ext cx="2438400" cy="369332"/>
           </a:xfrm>
           <a:prstGeom prst="rect">
             <a:avLst/>
           </a:prstGeom>
-          <a:gradFill rotWithShape="1">
-            <a:gsLst>
-              <a:gs pos="0">
-                <a:srgbClr val="9BBB59">
-                  <a:tint val="50000"/>
-                  <a:satMod val="300000"/>
-                </a:srgbClr>
-              </a:gs>
-              <a:gs pos="35000">
-                <a:srgbClr val="9BBB59">
-                  <a:tint val="37000"/>
-                  <a:satMod val="300000"/>
-                </a:srgbClr>
-              </a:gs>
-              <a:gs pos="100000">
-                <a:srgbClr val="9BBB59">
-                  <a:tint val="15000"/>
-                  <a:satMod val="350000"/>
-                </a:srgbClr>
-              </a:gs>
-            </a:gsLst>
-            <a:lin ang="16200000" scaled="1"/>
-          </a:gradFill>
-          <a:ln w="9525" cap="flat" cmpd="sng" algn="ctr">
-            <a:solidFill>
-              <a:schemeClr val="tx1"/>
-            </a:solidFill>
-            <a:prstDash val="solid"/>
-          </a:ln>
-          <a:effectLst>
-            <a:outerShdw blurRad="40000" dist="20000" dir="5400000" rotWithShape="0">
-              <a:srgbClr val="000000">
-                <a:alpha val="38000"/>
-              </a:srgbClr>
-            </a:outerShdw>
-          </a:effectLst>
+          <a:ln/>
         </p:spPr>
+        <p:style>
+          <a:lnRef idx="1">
+            <a:schemeClr val="accent5"/>
+          </a:lnRef>
+          <a:fillRef idx="2">
+            <a:schemeClr val="accent5"/>
+          </a:fillRef>
+          <a:effectRef idx="1">
+            <a:schemeClr val="accent5"/>
+          </a:effectRef>
+          <a:fontRef idx="minor">
+            <a:schemeClr val="dk1"/>
+          </a:fontRef>
+        </p:style>
         <p:txBody>
           <a:bodyPr wrap="square" rtlCol="0" anchor="ctr">
             <a:spAutoFit/>
@@ -3522,6 +3496,9 @@
             </a:r>
             <a:r>
               <a:rPr lang="en-US" b="1" kern="0" noProof="0" dirty="0" err="1" smtClean="0">
+                <a:solidFill>
+                  <a:srgbClr val="FF0000"/>
+                </a:solidFill>
                 <a:latin typeface="Calibri" pitchFamily="34" charset="0"/>
               </a:rPr>
               <a:t>DieValue</a:t>
@@ -3530,6 +3507,9 @@
               <a:ln>
                 <a:noFill/>
               </a:ln>
+              <a:solidFill>
+                <a:srgbClr val="FF0000"/>
+              </a:solidFill>
               <a:effectLst/>
               <a:uLnTx/>
               <a:uFillTx/>
@@ -3549,8 +3529,8 @@
         </p:nvCxnSpPr>
         <p:spPr>
           <a:xfrm rot="16200000" flipH="1">
-            <a:off x="1025783" y="4891384"/>
-            <a:ext cx="958334" cy="1257300"/>
+            <a:off x="1035959" y="2509510"/>
+            <a:ext cx="958334" cy="1409092"/>
           </a:xfrm>
           <a:prstGeom prst="bentConnector2">
             <a:avLst/>
@@ -3567,289 +3547,13 @@
       </p:cxnSp>
       <p:sp>
         <p:nvSpPr>
-          <p:cNvPr id="38" name="TextBox 37"/>
-          <p:cNvSpPr txBox="1"/>
-          <p:nvPr/>
-        </p:nvSpPr>
-        <p:spPr>
-          <a:xfrm>
-            <a:off x="1524000" y="4507467"/>
-            <a:ext cx="914400" cy="369332"/>
-          </a:xfrm>
-          <a:prstGeom prst="rect">
-            <a:avLst/>
-          </a:prstGeom>
-          <a:noFill/>
-        </p:spPr>
-        <p:txBody>
-          <a:bodyPr wrap="square" rtlCol="0">
-            <a:spAutoFit/>
-          </a:bodyPr>
-          <a:lstStyle/>
-          <a:p>
-            <a:pPr marL="0" marR="0" lvl="0" indent="0" defTabSz="914400" eaLnBrk="1" fontAlgn="auto" latinLnBrk="0" hangingPunct="1">
-              <a:lnSpc>
-                <a:spcPct val="100000"/>
-              </a:lnSpc>
-              <a:spcBef>
-                <a:spcPts val="0"/>
-              </a:spcBef>
-              <a:spcAft>
-                <a:spcPts val="0"/>
-              </a:spcAft>
-              <a:buClrTx/>
-              <a:buSzTx/>
-              <a:buFontTx/>
-              <a:buNone/>
-              <a:tabLst/>
-              <a:defRPr/>
-            </a:pPr>
-            <a:r>
-              <a:rPr kumimoji="0" lang="en-US" sz="1800" b="0" i="0" u="none" strike="noStrike" kern="0" cap="none" spc="0" normalizeH="0" baseline="0" noProof="0" dirty="0" smtClean="0">
-                <a:ln>
-                  <a:noFill/>
-                </a:ln>
-                <a:solidFill>
-                  <a:sysClr val="windowText" lastClr="000000"/>
-                </a:solidFill>
-                <a:effectLst/>
-                <a:uLnTx/>
-                <a:uFillTx/>
-                <a:latin typeface="Calibri" pitchFamily="34" charset="0"/>
-              </a:rPr>
-              <a:t>takes</a:t>
-            </a:r>
-            <a:endParaRPr kumimoji="0" lang="en-US" sz="1800" b="1" i="0" u="none" strike="noStrike" kern="0" cap="none" spc="0" normalizeH="0" baseline="0" noProof="0" dirty="0">
-              <a:ln>
-                <a:noFill/>
-              </a:ln>
-              <a:solidFill>
-                <a:sysClr val="windowText" lastClr="000000"/>
-              </a:solidFill>
-              <a:effectLst/>
-              <a:uLnTx/>
-              <a:uFillTx/>
-              <a:latin typeface="Calibri" pitchFamily="34" charset="0"/>
-            </a:endParaRPr>
-          </a:p>
-        </p:txBody>
-      </p:sp>
-      <p:sp>
-        <p:nvSpPr>
-          <p:cNvPr id="39" name="TextBox 38"/>
-          <p:cNvSpPr txBox="1"/>
-          <p:nvPr/>
-        </p:nvSpPr>
-        <p:spPr>
-          <a:xfrm>
-            <a:off x="990600" y="5498067"/>
-            <a:ext cx="1066800" cy="369332"/>
-          </a:xfrm>
-          <a:prstGeom prst="rect">
-            <a:avLst/>
-          </a:prstGeom>
-          <a:noFill/>
-        </p:spPr>
-        <p:txBody>
-          <a:bodyPr wrap="square" rtlCol="0">
-            <a:spAutoFit/>
-          </a:bodyPr>
-          <a:lstStyle/>
-          <a:p>
-            <a:pPr marL="0" marR="0" lvl="0" indent="0" defTabSz="914400" eaLnBrk="1" fontAlgn="auto" latinLnBrk="0" hangingPunct="1">
-              <a:lnSpc>
-                <a:spcPct val="100000"/>
-              </a:lnSpc>
-              <a:spcBef>
-                <a:spcPts val="0"/>
-              </a:spcBef>
-              <a:spcAft>
-                <a:spcPts val="0"/>
-              </a:spcAft>
-              <a:buClrTx/>
-              <a:buSzTx/>
-              <a:buFontTx/>
-              <a:buNone/>
-              <a:tabLst/>
-              <a:defRPr/>
-            </a:pPr>
-            <a:r>
-              <a:rPr kumimoji="0" lang="en-US" sz="1800" b="0" i="0" u="none" strike="noStrike" kern="0" cap="none" spc="0" normalizeH="0" baseline="0" noProof="0" dirty="0" smtClean="0">
-                <a:ln>
-                  <a:noFill/>
-                </a:ln>
-                <a:solidFill>
-                  <a:sysClr val="windowText" lastClr="000000"/>
-                </a:solidFill>
-                <a:effectLst/>
-                <a:uLnTx/>
-                <a:uFillTx/>
-                <a:latin typeface="Calibri" pitchFamily="34" charset="0"/>
-              </a:rPr>
-              <a:t>throws</a:t>
-            </a:r>
-            <a:endParaRPr kumimoji="0" lang="en-US" sz="1800" b="1" i="0" u="none" strike="noStrike" kern="0" cap="none" spc="0" normalizeH="0" baseline="0" noProof="0" dirty="0">
-              <a:ln>
-                <a:noFill/>
-              </a:ln>
-              <a:solidFill>
-                <a:sysClr val="windowText" lastClr="000000"/>
-              </a:solidFill>
-              <a:effectLst/>
-              <a:uLnTx/>
-              <a:uFillTx/>
-              <a:latin typeface="Calibri" pitchFamily="34" charset="0"/>
-            </a:endParaRPr>
-          </a:p>
-        </p:txBody>
-      </p:sp>
-      <p:sp>
-        <p:nvSpPr>
-          <p:cNvPr id="40" name="TextBox 39"/>
-          <p:cNvSpPr txBox="1"/>
-          <p:nvPr/>
-        </p:nvSpPr>
-        <p:spPr>
-          <a:xfrm>
-            <a:off x="2743200" y="5421867"/>
-            <a:ext cx="609600" cy="381000"/>
-          </a:xfrm>
-          <a:prstGeom prst="rect">
-            <a:avLst/>
-          </a:prstGeom>
-          <a:noFill/>
-        </p:spPr>
-        <p:txBody>
-          <a:bodyPr wrap="square" rtlCol="0">
-            <a:spAutoFit/>
-          </a:bodyPr>
-          <a:lstStyle/>
-          <a:p>
-            <a:pPr marL="0" marR="0" lvl="0" indent="0" defTabSz="914400" eaLnBrk="1" fontAlgn="auto" latinLnBrk="0" hangingPunct="1">
-              <a:lnSpc>
-                <a:spcPct val="100000"/>
-              </a:lnSpc>
-              <a:spcBef>
-                <a:spcPts val="0"/>
-              </a:spcBef>
-              <a:spcAft>
-                <a:spcPts val="0"/>
-              </a:spcAft>
-              <a:buClrTx/>
-              <a:buSzTx/>
-              <a:buFontTx/>
-              <a:buNone/>
-              <a:tabLst/>
-              <a:defRPr/>
-            </a:pPr>
-            <a:r>
-              <a:rPr kumimoji="0" lang="en-US" sz="1800" b="0" i="0" u="none" strike="noStrike" kern="0" cap="none" spc="0" normalizeH="0" baseline="0" noProof="0" dirty="0" smtClean="0">
-                <a:ln>
-                  <a:noFill/>
-                </a:ln>
-                <a:solidFill>
-                  <a:sysClr val="windowText" lastClr="000000"/>
-                </a:solidFill>
-                <a:effectLst/>
-                <a:uLnTx/>
-                <a:uFillTx/>
-                <a:latin typeface="Calibri" pitchFamily="34" charset="0"/>
-              </a:rPr>
-              <a:t> 1</a:t>
-            </a:r>
-            <a:endParaRPr kumimoji="0" lang="en-US" sz="1800" b="0" i="0" u="none" strike="noStrike" kern="0" cap="none" spc="0" normalizeH="0" baseline="0" noProof="0" dirty="0">
-              <a:ln>
-                <a:noFill/>
-              </a:ln>
-              <a:solidFill>
-                <a:sysClr val="windowText" lastClr="000000"/>
-              </a:solidFill>
-              <a:effectLst/>
-              <a:uLnTx/>
-              <a:uFillTx/>
-              <a:latin typeface="Calibri" pitchFamily="34" charset="0"/>
-            </a:endParaRPr>
-          </a:p>
-        </p:txBody>
-      </p:sp>
-      <p:sp>
-        <p:nvSpPr>
-          <p:cNvPr id="41" name="TextBox 40"/>
-          <p:cNvSpPr txBox="1"/>
-          <p:nvPr/>
-        </p:nvSpPr>
-        <p:spPr>
-          <a:xfrm>
-            <a:off x="1752600" y="6031467"/>
-            <a:ext cx="381000" cy="381000"/>
-          </a:xfrm>
-          <a:prstGeom prst="rect">
-            <a:avLst/>
-          </a:prstGeom>
-          <a:noFill/>
-        </p:spPr>
-        <p:txBody>
-          <a:bodyPr wrap="square" rtlCol="0">
-            <a:spAutoFit/>
-          </a:bodyPr>
-          <a:lstStyle/>
-          <a:p>
-            <a:pPr marL="0" marR="0" lvl="0" indent="0" defTabSz="914400" eaLnBrk="1" fontAlgn="auto" latinLnBrk="0" hangingPunct="1">
-              <a:lnSpc>
-                <a:spcPct val="100000"/>
-              </a:lnSpc>
-              <a:spcBef>
-                <a:spcPts val="0"/>
-              </a:spcBef>
-              <a:spcAft>
-                <a:spcPts val="0"/>
-              </a:spcAft>
-              <a:buClrTx/>
-              <a:buSzTx/>
-              <a:buFontTx/>
-              <a:buNone/>
-              <a:tabLst/>
-              <a:defRPr/>
-            </a:pPr>
-            <a:r>
-              <a:rPr kumimoji="0" lang="en-US" sz="1800" b="0" i="0" u="none" strike="noStrike" kern="0" cap="none" spc="0" normalizeH="0" baseline="0" noProof="0" dirty="0" smtClean="0">
-                <a:ln>
-                  <a:noFill/>
-                </a:ln>
-                <a:solidFill>
-                  <a:sysClr val="windowText" lastClr="000000"/>
-                </a:solidFill>
-                <a:effectLst/>
-                <a:uLnTx/>
-                <a:uFillTx/>
-                <a:latin typeface="Calibri" pitchFamily="34" charset="0"/>
-              </a:rPr>
-              <a:t> 1</a:t>
-            </a:r>
-            <a:endParaRPr kumimoji="0" lang="en-US" sz="1800" b="0" i="0" u="none" strike="noStrike" kern="0" cap="none" spc="0" normalizeH="0" baseline="0" noProof="0" dirty="0">
-              <a:ln>
-                <a:noFill/>
-              </a:ln>
-              <a:solidFill>
-                <a:sysClr val="windowText" lastClr="000000"/>
-              </a:solidFill>
-              <a:effectLst/>
-              <a:uLnTx/>
-              <a:uFillTx/>
-              <a:latin typeface="Calibri" pitchFamily="34" charset="0"/>
-            </a:endParaRPr>
-          </a:p>
-        </p:txBody>
-      </p:sp>
-      <p:sp>
-        <p:nvSpPr>
           <p:cNvPr id="42" name="Rectangle 41"/>
           <p:cNvSpPr/>
           <p:nvPr/>
         </p:nvSpPr>
         <p:spPr>
           <a:xfrm>
-            <a:off x="5257800" y="4191000"/>
+            <a:off x="4886672" y="1885604"/>
             <a:ext cx="1981200" cy="646331"/>
           </a:xfrm>
           <a:prstGeom prst="rect">
@@ -3907,7 +3611,7 @@
                   <a:noFill/>
                 </a:ln>
                 <a:solidFill>
-                  <a:sysClr val="windowText" lastClr="000000"/>
+                  <a:srgbClr val="FF0000"/>
                 </a:solidFill>
                 <a:effectLst/>
                 <a:uLnTx/>
@@ -3922,7 +3626,7 @@
                   <a:noFill/>
                 </a:ln>
                 <a:solidFill>
-                  <a:sysClr val="windowText" lastClr="000000"/>
+                  <a:srgbClr val="FF0000"/>
                 </a:solidFill>
                 <a:effectLst/>
                 <a:uLnTx/>
@@ -3933,7 +3637,7 @@
             <a:r>
               <a:rPr lang="en-US" b="1" kern="0" dirty="0" err="1" smtClean="0">
                 <a:solidFill>
-                  <a:sysClr val="windowText" lastClr="000000"/>
+                  <a:srgbClr val="FF0000"/>
                 </a:solidFill>
                 <a:latin typeface="Calibri" pitchFamily="34" charset="0"/>
               </a:rPr>
@@ -3944,7 +3648,7 @@
                 <a:noFill/>
               </a:ln>
               <a:solidFill>
-                <a:sysClr val="windowText" lastClr="000000"/>
+                <a:srgbClr val="FF0000"/>
               </a:solidFill>
               <a:effectLst/>
               <a:uLnTx/>
@@ -3962,7 +3666,7 @@
         </p:nvSpPr>
         <p:spPr>
           <a:xfrm>
-            <a:off x="5257800" y="4798292"/>
+            <a:off x="4886672" y="2492896"/>
             <a:ext cx="1981200" cy="1754326"/>
           </a:xfrm>
           <a:prstGeom prst="rect">
@@ -4031,12 +3735,18 @@
             <a:r>
               <a:rPr lang="en-US" b="1" kern="0" noProof="0" dirty="0" smtClean="0">
                 <a:solidFill>
-                  <a:sysClr val="windowText" lastClr="000000"/>
+                  <a:srgbClr val="FF0000"/>
                 </a:solidFill>
                 <a:latin typeface="Calibri" pitchFamily="34" charset="0"/>
               </a:rPr>
-              <a:t>ONE</a:t>
-            </a:r>
+              <a:t>1</a:t>
+            </a:r>
+            <a:endParaRPr lang="en-US" b="1" kern="0" noProof="0" dirty="0" smtClean="0">
+              <a:solidFill>
+                <a:srgbClr val="FF0000"/>
+              </a:solidFill>
+              <a:latin typeface="Calibri" pitchFamily="34" charset="0"/>
+            </a:endParaRPr>
           </a:p>
           <a:p>
             <a:pPr marL="171450" marR="0" lvl="0" defTabSz="914400" eaLnBrk="1" fontAlgn="auto" latinLnBrk="0" hangingPunct="1">
@@ -4059,12 +3769,18 @@
             <a:r>
               <a:rPr lang="en-US" b="1" kern="0" noProof="0" dirty="0" smtClean="0">
                 <a:solidFill>
-                  <a:sysClr val="windowText" lastClr="000000"/>
+                  <a:srgbClr val="FF0000"/>
                 </a:solidFill>
                 <a:latin typeface="Calibri" pitchFamily="34" charset="0"/>
               </a:rPr>
-              <a:t>TWO</a:t>
-            </a:r>
+              <a:t>2</a:t>
+            </a:r>
+            <a:endParaRPr lang="en-US" b="1" kern="0" noProof="0" dirty="0" smtClean="0">
+              <a:solidFill>
+                <a:srgbClr val="FF0000"/>
+              </a:solidFill>
+              <a:latin typeface="Calibri" pitchFamily="34" charset="0"/>
+            </a:endParaRPr>
           </a:p>
           <a:p>
             <a:pPr marL="171450" marR="0" lvl="0" defTabSz="914400" eaLnBrk="1" fontAlgn="auto" latinLnBrk="0" hangingPunct="1">
@@ -4087,12 +3803,18 @@
             <a:r>
               <a:rPr lang="en-US" b="1" kern="0" noProof="0" dirty="0" smtClean="0">
                 <a:solidFill>
-                  <a:sysClr val="windowText" lastClr="000000"/>
+                  <a:srgbClr val="FF0000"/>
                 </a:solidFill>
                 <a:latin typeface="Calibri" pitchFamily="34" charset="0"/>
               </a:rPr>
-              <a:t>THREE</a:t>
-            </a:r>
+              <a:t>3</a:t>
+            </a:r>
+            <a:endParaRPr lang="en-US" b="1" kern="0" noProof="0" dirty="0" smtClean="0">
+              <a:solidFill>
+                <a:srgbClr val="FF0000"/>
+              </a:solidFill>
+              <a:latin typeface="Calibri" pitchFamily="34" charset="0"/>
+            </a:endParaRPr>
           </a:p>
           <a:p>
             <a:pPr marL="171450" marR="0" lvl="0" defTabSz="914400" eaLnBrk="1" fontAlgn="auto" latinLnBrk="0" hangingPunct="1">
@@ -4115,12 +3837,18 @@
             <a:r>
               <a:rPr lang="en-US" b="1" kern="0" noProof="0" dirty="0" smtClean="0">
                 <a:solidFill>
-                  <a:sysClr val="windowText" lastClr="000000"/>
+                  <a:srgbClr val="FF0000"/>
                 </a:solidFill>
                 <a:latin typeface="Calibri" pitchFamily="34" charset="0"/>
               </a:rPr>
-              <a:t>FOUR</a:t>
-            </a:r>
+              <a:t>4</a:t>
+            </a:r>
+            <a:endParaRPr lang="en-US" b="1" kern="0" noProof="0" dirty="0" smtClean="0">
+              <a:solidFill>
+                <a:srgbClr val="FF0000"/>
+              </a:solidFill>
+              <a:latin typeface="Calibri" pitchFamily="34" charset="0"/>
+            </a:endParaRPr>
           </a:p>
           <a:p>
             <a:pPr marL="171450" marR="0" lvl="0" defTabSz="914400" eaLnBrk="1" fontAlgn="auto" latinLnBrk="0" hangingPunct="1">
@@ -4143,12 +3871,18 @@
             <a:r>
               <a:rPr lang="en-US" b="1" kern="0" noProof="0" dirty="0" smtClean="0">
                 <a:solidFill>
-                  <a:sysClr val="windowText" lastClr="000000"/>
+                  <a:srgbClr val="FF0000"/>
                 </a:solidFill>
                 <a:latin typeface="Calibri" pitchFamily="34" charset="0"/>
               </a:rPr>
-              <a:t>FIVE</a:t>
-            </a:r>
+              <a:t>5</a:t>
+            </a:r>
+            <a:endParaRPr lang="en-US" b="1" kern="0" noProof="0" dirty="0" smtClean="0">
+              <a:solidFill>
+                <a:srgbClr val="FF0000"/>
+              </a:solidFill>
+              <a:latin typeface="Calibri" pitchFamily="34" charset="0"/>
+            </a:endParaRPr>
           </a:p>
           <a:p>
             <a:pPr marL="171450" marR="0" lvl="0" defTabSz="914400" eaLnBrk="1" fontAlgn="auto" latinLnBrk="0" hangingPunct="1">
@@ -4171,18 +3905,351 @@
             <a:r>
               <a:rPr lang="en-US" b="1" kern="0" noProof="0" dirty="0" smtClean="0">
                 <a:solidFill>
-                  <a:sysClr val="windowText" lastClr="000000"/>
+                  <a:srgbClr val="FF0000"/>
                 </a:solidFill>
                 <a:latin typeface="Calibri" pitchFamily="34" charset="0"/>
               </a:rPr>
-              <a:t>SIX</a:t>
+              <a:t>6</a:t>
             </a:r>
             <a:endParaRPr kumimoji="0" lang="en-US" sz="1800" b="1" i="0" u="none" strike="noStrike" kern="0" cap="none" spc="0" normalizeH="0" baseline="0" noProof="0" dirty="0">
               <a:ln>
                 <a:noFill/>
               </a:ln>
               <a:solidFill>
-                <a:sysClr val="windowText" lastClr="000000"/>
+                <a:srgbClr val="FF0000"/>
+              </a:solidFill>
+              <a:effectLst/>
+              <a:uLnTx/>
+              <a:uFillTx/>
+              <a:latin typeface="Calibri" pitchFamily="34" charset="0"/>
+            </a:endParaRPr>
+          </a:p>
+        </p:txBody>
+      </p:sp>
+      <p:sp>
+        <p:nvSpPr>
+          <p:cNvPr id="15" name="Rectangle 14"/>
+          <p:cNvSpPr/>
+          <p:nvPr/>
+        </p:nvSpPr>
+        <p:spPr>
+          <a:xfrm>
+            <a:off x="87288" y="2733301"/>
+            <a:ext cx="1446584" cy="369332"/>
+          </a:xfrm>
+          <a:prstGeom prst="rect">
+            <a:avLst/>
+          </a:prstGeom>
+          <a:solidFill>
+            <a:srgbClr val="8064A2">
+              <a:tint val="50000"/>
+              <a:satMod val="300000"/>
+            </a:srgbClr>
+          </a:solidFill>
+          <a:ln w="9525" cap="flat" cmpd="sng" algn="ctr">
+            <a:solidFill>
+              <a:schemeClr val="tx1"/>
+            </a:solidFill>
+            <a:prstDash val="solid"/>
+          </a:ln>
+          <a:effectLst>
+            <a:outerShdw blurRad="40000" dist="20000" dir="5400000" rotWithShape="0">
+              <a:srgbClr val="000000">
+                <a:alpha val="38000"/>
+              </a:srgbClr>
+            </a:outerShdw>
+          </a:effectLst>
+        </p:spPr>
+        <p:txBody>
+          <a:bodyPr wrap="square" rtlCol="0" anchor="ctr">
+            <a:spAutoFit/>
+          </a:bodyPr>
+          <a:lstStyle/>
+          <a:p>
+            <a:pPr marL="0" marR="0" lvl="0" indent="0" defTabSz="914400" eaLnBrk="1" fontAlgn="auto" latinLnBrk="0" hangingPunct="1">
+              <a:lnSpc>
+                <a:spcPct val="100000"/>
+              </a:lnSpc>
+              <a:spcBef>
+                <a:spcPts val="0"/>
+              </a:spcBef>
+              <a:spcAft>
+                <a:spcPts val="0"/>
+              </a:spcAft>
+              <a:buClrTx/>
+              <a:buSzTx/>
+              <a:buFontTx/>
+              <a:buNone/>
+              <a:tabLst/>
+              <a:defRPr/>
+            </a:pPr>
+            <a:r>
+              <a:rPr kumimoji="0" lang="en-US" sz="1800" b="0" i="0" u="none" strike="noStrike" kern="0" cap="none" spc="0" normalizeH="0" baseline="0" noProof="0" dirty="0" err="1" smtClean="0">
+                <a:ln>
+                  <a:noFill/>
+                </a:ln>
+                <a:solidFill>
+                  <a:sysClr val="windowText" lastClr="000000"/>
+                </a:solidFill>
+                <a:effectLst/>
+                <a:uLnTx/>
+                <a:uFillTx/>
+                <a:latin typeface="Calibri" pitchFamily="34" charset="0"/>
+              </a:rPr>
+              <a:t>status:</a:t>
+            </a:r>
+            <a:r>
+              <a:rPr kumimoji="0" lang="en-US" sz="1800" b="1" i="0" u="none" strike="noStrike" kern="0" cap="none" spc="0" normalizeH="0" baseline="0" noProof="0" dirty="0" err="1" smtClean="0">
+                <a:ln>
+                  <a:noFill/>
+                </a:ln>
+                <a:solidFill>
+                  <a:srgbClr val="FF0000"/>
+                </a:solidFill>
+                <a:effectLst/>
+                <a:uLnTx/>
+                <a:uFillTx/>
+                <a:latin typeface="Calibri" pitchFamily="34" charset="0"/>
+              </a:rPr>
+              <a:t>Status</a:t>
+            </a:r>
+            <a:endParaRPr kumimoji="0" lang="en-US" sz="1800" b="1" i="0" u="none" strike="noStrike" kern="0" cap="none" spc="0" normalizeH="0" baseline="0" noProof="0" dirty="0">
+              <a:ln>
+                <a:noFill/>
+              </a:ln>
+              <a:solidFill>
+                <a:srgbClr val="FF0000"/>
+              </a:solidFill>
+              <a:effectLst/>
+              <a:uLnTx/>
+              <a:uFillTx/>
+              <a:latin typeface="Calibri" pitchFamily="34" charset="0"/>
+            </a:endParaRPr>
+          </a:p>
+        </p:txBody>
+      </p:sp>
+      <p:sp>
+        <p:nvSpPr>
+          <p:cNvPr id="18" name="Rectangle 17"/>
+          <p:cNvSpPr/>
+          <p:nvPr/>
+        </p:nvSpPr>
+        <p:spPr>
+          <a:xfrm>
+            <a:off x="7020272" y="1894726"/>
+            <a:ext cx="1981200" cy="646331"/>
+          </a:xfrm>
+          <a:prstGeom prst="rect">
+            <a:avLst/>
+          </a:prstGeom>
+          <a:ln/>
+        </p:spPr>
+        <p:style>
+          <a:lnRef idx="1">
+            <a:schemeClr val="accent4"/>
+          </a:lnRef>
+          <a:fillRef idx="2">
+            <a:schemeClr val="accent4"/>
+          </a:fillRef>
+          <a:effectRef idx="1">
+            <a:schemeClr val="accent4"/>
+          </a:effectRef>
+          <a:fontRef idx="minor">
+            <a:schemeClr val="dk1"/>
+          </a:fontRef>
+        </p:style>
+        <p:txBody>
+          <a:bodyPr wrap="square" rtlCol="0" anchor="ctr">
+            <a:spAutoFit/>
+          </a:bodyPr>
+          <a:lstStyle/>
+          <a:p>
+            <a:pPr lvl="0" algn="ctr">
+              <a:defRPr/>
+            </a:pPr>
+            <a:r>
+              <a:rPr kumimoji="0" lang="en-US" sz="1800" b="1" i="0" u="none" strike="noStrike" kern="0" cap="none" spc="0" normalizeH="0" baseline="0" noProof="0" dirty="0" smtClean="0">
+                <a:ln>
+                  <a:noFill/>
+                </a:ln>
+                <a:solidFill>
+                  <a:srgbClr val="FF0000"/>
+                </a:solidFill>
+                <a:effectLst/>
+                <a:uLnTx/>
+                <a:uFillTx/>
+                <a:latin typeface="Calibri" pitchFamily="34" charset="0"/>
+              </a:rPr>
+              <a:t>&lt;&lt;enumeration&gt;&gt;</a:t>
+            </a:r>
+            <a:br>
+              <a:rPr kumimoji="0" lang="en-US" sz="1800" b="1" i="0" u="none" strike="noStrike" kern="0" cap="none" spc="0" normalizeH="0" baseline="0" noProof="0" dirty="0" smtClean="0">
+                <a:ln>
+                  <a:noFill/>
+                </a:ln>
+                <a:solidFill>
+                  <a:srgbClr val="FF0000"/>
+                </a:solidFill>
+                <a:effectLst/>
+                <a:uLnTx/>
+                <a:uFillTx/>
+                <a:latin typeface="Calibri" pitchFamily="34" charset="0"/>
+              </a:rPr>
+            </a:br>
+            <a:r>
+              <a:rPr lang="en-US" b="1" kern="0" dirty="0" smtClean="0">
+                <a:solidFill>
+                  <a:srgbClr val="FF0000"/>
+                </a:solidFill>
+                <a:latin typeface="Calibri" pitchFamily="34" charset="0"/>
+              </a:rPr>
+              <a:t>Status</a:t>
+            </a:r>
+            <a:endParaRPr kumimoji="0" lang="en-US" sz="1800" b="1" i="0" u="none" strike="noStrike" kern="0" cap="none" spc="0" normalizeH="0" baseline="0" noProof="0" dirty="0">
+              <a:ln>
+                <a:noFill/>
+              </a:ln>
+              <a:solidFill>
+                <a:srgbClr val="FF0000"/>
+              </a:solidFill>
+              <a:effectLst/>
+              <a:uLnTx/>
+              <a:uFillTx/>
+              <a:latin typeface="Calibri" pitchFamily="34" charset="0"/>
+            </a:endParaRPr>
+          </a:p>
+        </p:txBody>
+      </p:sp>
+      <p:sp>
+        <p:nvSpPr>
+          <p:cNvPr id="19" name="Rectangle 18"/>
+          <p:cNvSpPr/>
+          <p:nvPr/>
+        </p:nvSpPr>
+        <p:spPr>
+          <a:xfrm>
+            <a:off x="7020272" y="2492896"/>
+            <a:ext cx="1981200" cy="923330"/>
+          </a:xfrm>
+          <a:prstGeom prst="rect">
+            <a:avLst/>
+          </a:prstGeom>
+          <a:ln/>
+        </p:spPr>
+        <p:style>
+          <a:lnRef idx="1">
+            <a:schemeClr val="accent4"/>
+          </a:lnRef>
+          <a:fillRef idx="2">
+            <a:schemeClr val="accent4"/>
+          </a:fillRef>
+          <a:effectRef idx="1">
+            <a:schemeClr val="accent4"/>
+          </a:effectRef>
+          <a:fontRef idx="minor">
+            <a:schemeClr val="dk1"/>
+          </a:fontRef>
+        </p:style>
+        <p:txBody>
+          <a:bodyPr wrap="square" rtlCol="0" anchor="ctr">
+            <a:spAutoFit/>
+          </a:bodyPr>
+          <a:lstStyle/>
+          <a:p>
+            <a:pPr marL="171450" marR="0" lvl="0" defTabSz="914400" eaLnBrk="1" fontAlgn="auto" latinLnBrk="0" hangingPunct="1">
+              <a:lnSpc>
+                <a:spcPct val="100000"/>
+              </a:lnSpc>
+              <a:spcBef>
+                <a:spcPts val="0"/>
+              </a:spcBef>
+              <a:spcAft>
+                <a:spcPts val="0"/>
+              </a:spcAft>
+              <a:buClrTx/>
+              <a:buSzTx/>
+              <a:buFontTx/>
+              <a:buNone/>
+              <a:tabLst/>
+              <a:defRPr/>
+            </a:pPr>
+            <a:r>
+              <a:rPr lang="en-US" b="1" kern="0" noProof="0" dirty="0" smtClean="0">
+                <a:solidFill>
+                  <a:srgbClr val="FF0000"/>
+                </a:solidFill>
+                <a:latin typeface="Calibri" pitchFamily="34" charset="0"/>
+              </a:rPr>
+              <a:t>WON</a:t>
+            </a:r>
+          </a:p>
+          <a:p>
+            <a:pPr marL="171450" marR="0" lvl="0" defTabSz="914400" eaLnBrk="1" fontAlgn="auto" latinLnBrk="0" hangingPunct="1">
+              <a:lnSpc>
+                <a:spcPct val="100000"/>
+              </a:lnSpc>
+              <a:spcBef>
+                <a:spcPts val="0"/>
+              </a:spcBef>
+              <a:spcAft>
+                <a:spcPts val="0"/>
+              </a:spcAft>
+              <a:buClrTx/>
+              <a:buSzTx/>
+              <a:buFontTx/>
+              <a:buNone/>
+              <a:tabLst/>
+              <a:defRPr/>
+            </a:pPr>
+            <a:r>
+              <a:rPr kumimoji="0" lang="en-US" sz="1800" b="1" i="0" u="none" strike="noStrike" kern="0" cap="none" spc="0" normalizeH="0" baseline="0" dirty="0" smtClean="0">
+                <a:ln>
+                  <a:noFill/>
+                </a:ln>
+                <a:solidFill>
+                  <a:srgbClr val="FF0000"/>
+                </a:solidFill>
+                <a:effectLst/>
+                <a:uLnTx/>
+                <a:uFillTx/>
+                <a:latin typeface="Calibri" pitchFamily="34" charset="0"/>
+              </a:rPr>
+              <a:t>LOST</a:t>
+            </a:r>
+          </a:p>
+          <a:p>
+            <a:pPr marL="171450" marR="0" lvl="0" defTabSz="914400" eaLnBrk="1" fontAlgn="auto" latinLnBrk="0" hangingPunct="1">
+              <a:lnSpc>
+                <a:spcPct val="100000"/>
+              </a:lnSpc>
+              <a:spcBef>
+                <a:spcPts val="0"/>
+              </a:spcBef>
+              <a:spcAft>
+                <a:spcPts val="0"/>
+              </a:spcAft>
+              <a:buClrTx/>
+              <a:buSzTx/>
+              <a:buFontTx/>
+              <a:buNone/>
+              <a:tabLst/>
+              <a:defRPr/>
+            </a:pPr>
+            <a:r>
+              <a:rPr lang="en-US" b="1" kern="0" noProof="0" dirty="0" smtClean="0">
+                <a:solidFill>
+                  <a:srgbClr val="FF0000"/>
+                </a:solidFill>
+                <a:latin typeface="Calibri" pitchFamily="34" charset="0"/>
+              </a:rPr>
+              <a:t>IN_PLAY</a:t>
+            </a:r>
+            <a:endParaRPr kumimoji="0" lang="en-US" sz="1800" b="1" i="0" u="none" strike="noStrike" kern="0" cap="none" spc="0" normalizeH="0" baseline="0" noProof="0" dirty="0">
+              <a:ln>
+                <a:noFill/>
+              </a:ln>
+              <a:solidFill>
+                <a:srgbClr val="FF0000"/>
               </a:solidFill>
               <a:effectLst/>
               <a:uLnTx/>

--- a/diagrams/uml/classDiagrams/enumerations/playerTurn.pptx
+++ b/diagrams/uml/classDiagrams/enumerations/playerTurn.pptx
@@ -161,7 +161,7 @@
           <a:lstStyle/>
           <a:p>
             <a:r>
-              <a:rPr lang="en-US" smtClean="0"/>
+              <a:rPr lang="en-US"/>
               <a:t>Click to edit Master title style</a:t>
             </a:r>
             <a:endParaRPr lang="en-SG"/>
@@ -280,7 +280,7 @@
           </a:lstStyle>
           <a:p>
             <a:r>
-              <a:rPr lang="en-US" smtClean="0"/>
+              <a:rPr lang="en-US"/>
               <a:t>Click to edit Master subtitle style</a:t>
             </a:r>
             <a:endParaRPr lang="en-SG"/>
@@ -304,7 +304,7 @@
           <a:p>
             <a:fld id="{A0F86979-30DA-49EE-A740-32EBA6D2B7DE}" type="datetimeFigureOut">
               <a:rPr lang="en-SG" smtClean="0"/>
-              <a:t>31/8/2017</a:t>
+              <a:t>29/11/2020</a:t>
             </a:fld>
             <a:endParaRPr lang="en-SG"/>
           </a:p>
@@ -398,7 +398,7 @@
           <a:lstStyle/>
           <a:p>
             <a:r>
-              <a:rPr lang="en-US" smtClean="0"/>
+              <a:rPr lang="en-US"/>
               <a:t>Click to edit Master title style</a:t>
             </a:r>
             <a:endParaRPr lang="en-SG"/>
@@ -422,35 +422,35 @@
           <a:p>
             <a:pPr lvl="0"/>
             <a:r>
-              <a:rPr lang="en-US" smtClean="0"/>
+              <a:rPr lang="en-US"/>
               <a:t>Click to edit Master text styles</a:t>
             </a:r>
           </a:p>
           <a:p>
             <a:pPr lvl="1"/>
             <a:r>
-              <a:rPr lang="en-US" smtClean="0"/>
+              <a:rPr lang="en-US"/>
               <a:t>Second level</a:t>
             </a:r>
           </a:p>
           <a:p>
             <a:pPr lvl="2"/>
             <a:r>
-              <a:rPr lang="en-US" smtClean="0"/>
+              <a:rPr lang="en-US"/>
               <a:t>Third level</a:t>
             </a:r>
           </a:p>
           <a:p>
             <a:pPr lvl="3"/>
             <a:r>
-              <a:rPr lang="en-US" smtClean="0"/>
+              <a:rPr lang="en-US"/>
               <a:t>Fourth level</a:t>
             </a:r>
           </a:p>
           <a:p>
             <a:pPr lvl="4"/>
             <a:r>
-              <a:rPr lang="en-US" smtClean="0"/>
+              <a:rPr lang="en-US"/>
               <a:t>Fifth level</a:t>
             </a:r>
             <a:endParaRPr lang="en-SG"/>
@@ -474,7 +474,7 @@
           <a:p>
             <a:fld id="{A0F86979-30DA-49EE-A740-32EBA6D2B7DE}" type="datetimeFigureOut">
               <a:rPr lang="en-SG" smtClean="0"/>
-              <a:t>31/8/2017</a:t>
+              <a:t>29/11/2020</a:t>
             </a:fld>
             <a:endParaRPr lang="en-SG"/>
           </a:p>
@@ -573,7 +573,7 @@
           <a:lstStyle/>
           <a:p>
             <a:r>
-              <a:rPr lang="en-US" smtClean="0"/>
+              <a:rPr lang="en-US"/>
               <a:t>Click to edit Master title style</a:t>
             </a:r>
             <a:endParaRPr lang="en-SG"/>
@@ -602,35 +602,35 @@
           <a:p>
             <a:pPr lvl="0"/>
             <a:r>
-              <a:rPr lang="en-US" smtClean="0"/>
+              <a:rPr lang="en-US"/>
               <a:t>Click to edit Master text styles</a:t>
             </a:r>
           </a:p>
           <a:p>
             <a:pPr lvl="1"/>
             <a:r>
-              <a:rPr lang="en-US" smtClean="0"/>
+              <a:rPr lang="en-US"/>
               <a:t>Second level</a:t>
             </a:r>
           </a:p>
           <a:p>
             <a:pPr lvl="2"/>
             <a:r>
-              <a:rPr lang="en-US" smtClean="0"/>
+              <a:rPr lang="en-US"/>
               <a:t>Third level</a:t>
             </a:r>
           </a:p>
           <a:p>
             <a:pPr lvl="3"/>
             <a:r>
-              <a:rPr lang="en-US" smtClean="0"/>
+              <a:rPr lang="en-US"/>
               <a:t>Fourth level</a:t>
             </a:r>
           </a:p>
           <a:p>
             <a:pPr lvl="4"/>
             <a:r>
-              <a:rPr lang="en-US" smtClean="0"/>
+              <a:rPr lang="en-US"/>
               <a:t>Fifth level</a:t>
             </a:r>
             <a:endParaRPr lang="en-SG"/>
@@ -654,7 +654,7 @@
           <a:p>
             <a:fld id="{A0F86979-30DA-49EE-A740-32EBA6D2B7DE}" type="datetimeFigureOut">
               <a:rPr lang="en-SG" smtClean="0"/>
-              <a:t>31/8/2017</a:t>
+              <a:t>29/11/2020</a:t>
             </a:fld>
             <a:endParaRPr lang="en-SG"/>
           </a:p>
@@ -748,7 +748,7 @@
           <a:lstStyle/>
           <a:p>
             <a:r>
-              <a:rPr lang="en-US" smtClean="0"/>
+              <a:rPr lang="en-US"/>
               <a:t>Click to edit Master title style</a:t>
             </a:r>
             <a:endParaRPr lang="en-SG"/>
@@ -772,35 +772,35 @@
           <a:p>
             <a:pPr lvl="0"/>
             <a:r>
-              <a:rPr lang="en-US" smtClean="0"/>
+              <a:rPr lang="en-US"/>
               <a:t>Click to edit Master text styles</a:t>
             </a:r>
           </a:p>
           <a:p>
             <a:pPr lvl="1"/>
             <a:r>
-              <a:rPr lang="en-US" smtClean="0"/>
+              <a:rPr lang="en-US"/>
               <a:t>Second level</a:t>
             </a:r>
           </a:p>
           <a:p>
             <a:pPr lvl="2"/>
             <a:r>
-              <a:rPr lang="en-US" smtClean="0"/>
+              <a:rPr lang="en-US"/>
               <a:t>Third level</a:t>
             </a:r>
           </a:p>
           <a:p>
             <a:pPr lvl="3"/>
             <a:r>
-              <a:rPr lang="en-US" smtClean="0"/>
+              <a:rPr lang="en-US"/>
               <a:t>Fourth level</a:t>
             </a:r>
           </a:p>
           <a:p>
             <a:pPr lvl="4"/>
             <a:r>
-              <a:rPr lang="en-US" smtClean="0"/>
+              <a:rPr lang="en-US"/>
               <a:t>Fifth level</a:t>
             </a:r>
             <a:endParaRPr lang="en-SG"/>
@@ -824,7 +824,7 @@
           <a:p>
             <a:fld id="{A0F86979-30DA-49EE-A740-32EBA6D2B7DE}" type="datetimeFigureOut">
               <a:rPr lang="en-SG" smtClean="0"/>
-              <a:t>31/8/2017</a:t>
+              <a:t>29/11/2020</a:t>
             </a:fld>
             <a:endParaRPr lang="en-SG"/>
           </a:p>
@@ -927,7 +927,7 @@
           </a:lstStyle>
           <a:p>
             <a:r>
-              <a:rPr lang="en-US" smtClean="0"/>
+              <a:rPr lang="en-US"/>
               <a:t>Click to edit Master title style</a:t>
             </a:r>
             <a:endParaRPr lang="en-SG"/>
@@ -1047,7 +1047,7 @@
           <a:p>
             <a:pPr lvl="0"/>
             <a:r>
-              <a:rPr lang="en-US" smtClean="0"/>
+              <a:rPr lang="en-US"/>
               <a:t>Click to edit Master text styles</a:t>
             </a:r>
           </a:p>
@@ -1070,7 +1070,7 @@
           <a:p>
             <a:fld id="{A0F86979-30DA-49EE-A740-32EBA6D2B7DE}" type="datetimeFigureOut">
               <a:rPr lang="en-SG" smtClean="0"/>
-              <a:t>31/8/2017</a:t>
+              <a:t>29/11/2020</a:t>
             </a:fld>
             <a:endParaRPr lang="en-SG"/>
           </a:p>
@@ -1164,7 +1164,7 @@
           <a:lstStyle/>
           <a:p>
             <a:r>
-              <a:rPr lang="en-US" smtClean="0"/>
+              <a:rPr lang="en-US"/>
               <a:t>Click to edit Master title style</a:t>
             </a:r>
             <a:endParaRPr lang="en-SG"/>
@@ -1221,35 +1221,35 @@
           <a:p>
             <a:pPr lvl="0"/>
             <a:r>
-              <a:rPr lang="en-US" smtClean="0"/>
+              <a:rPr lang="en-US"/>
               <a:t>Click to edit Master text styles</a:t>
             </a:r>
           </a:p>
           <a:p>
             <a:pPr lvl="1"/>
             <a:r>
-              <a:rPr lang="en-US" smtClean="0"/>
+              <a:rPr lang="en-US"/>
               <a:t>Second level</a:t>
             </a:r>
           </a:p>
           <a:p>
             <a:pPr lvl="2"/>
             <a:r>
-              <a:rPr lang="en-US" smtClean="0"/>
+              <a:rPr lang="en-US"/>
               <a:t>Third level</a:t>
             </a:r>
           </a:p>
           <a:p>
             <a:pPr lvl="3"/>
             <a:r>
-              <a:rPr lang="en-US" smtClean="0"/>
+              <a:rPr lang="en-US"/>
               <a:t>Fourth level</a:t>
             </a:r>
           </a:p>
           <a:p>
             <a:pPr lvl="4"/>
             <a:r>
-              <a:rPr lang="en-US" smtClean="0"/>
+              <a:rPr lang="en-US"/>
               <a:t>Fifth level</a:t>
             </a:r>
             <a:endParaRPr lang="en-SG"/>
@@ -1306,35 +1306,35 @@
           <a:p>
             <a:pPr lvl="0"/>
             <a:r>
-              <a:rPr lang="en-US" smtClean="0"/>
+              <a:rPr lang="en-US"/>
               <a:t>Click to edit Master text styles</a:t>
             </a:r>
           </a:p>
           <a:p>
             <a:pPr lvl="1"/>
             <a:r>
-              <a:rPr lang="en-US" smtClean="0"/>
+              <a:rPr lang="en-US"/>
               <a:t>Second level</a:t>
             </a:r>
           </a:p>
           <a:p>
             <a:pPr lvl="2"/>
             <a:r>
-              <a:rPr lang="en-US" smtClean="0"/>
+              <a:rPr lang="en-US"/>
               <a:t>Third level</a:t>
             </a:r>
           </a:p>
           <a:p>
             <a:pPr lvl="3"/>
             <a:r>
-              <a:rPr lang="en-US" smtClean="0"/>
+              <a:rPr lang="en-US"/>
               <a:t>Fourth level</a:t>
             </a:r>
           </a:p>
           <a:p>
             <a:pPr lvl="4"/>
             <a:r>
-              <a:rPr lang="en-US" smtClean="0"/>
+              <a:rPr lang="en-US"/>
               <a:t>Fifth level</a:t>
             </a:r>
             <a:endParaRPr lang="en-SG"/>
@@ -1358,7 +1358,7 @@
           <a:p>
             <a:fld id="{A0F86979-30DA-49EE-A740-32EBA6D2B7DE}" type="datetimeFigureOut">
               <a:rPr lang="en-SG" smtClean="0"/>
-              <a:t>31/8/2017</a:t>
+              <a:t>29/11/2020</a:t>
             </a:fld>
             <a:endParaRPr lang="en-SG"/>
           </a:p>
@@ -1456,7 +1456,7 @@
           </a:lstStyle>
           <a:p>
             <a:r>
-              <a:rPr lang="en-US" smtClean="0"/>
+              <a:rPr lang="en-US"/>
               <a:t>Click to edit Master title style</a:t>
             </a:r>
             <a:endParaRPr lang="en-SG"/>
@@ -1522,7 +1522,7 @@
           <a:p>
             <a:pPr lvl="0"/>
             <a:r>
-              <a:rPr lang="en-US" smtClean="0"/>
+              <a:rPr lang="en-US"/>
               <a:t>Click to edit Master text styles</a:t>
             </a:r>
           </a:p>
@@ -1578,35 +1578,35 @@
           <a:p>
             <a:pPr lvl="0"/>
             <a:r>
-              <a:rPr lang="en-US" smtClean="0"/>
+              <a:rPr lang="en-US"/>
               <a:t>Click to edit Master text styles</a:t>
             </a:r>
           </a:p>
           <a:p>
             <a:pPr lvl="1"/>
             <a:r>
-              <a:rPr lang="en-US" smtClean="0"/>
+              <a:rPr lang="en-US"/>
               <a:t>Second level</a:t>
             </a:r>
           </a:p>
           <a:p>
             <a:pPr lvl="2"/>
             <a:r>
-              <a:rPr lang="en-US" smtClean="0"/>
+              <a:rPr lang="en-US"/>
               <a:t>Third level</a:t>
             </a:r>
           </a:p>
           <a:p>
             <a:pPr lvl="3"/>
             <a:r>
-              <a:rPr lang="en-US" smtClean="0"/>
+              <a:rPr lang="en-US"/>
               <a:t>Fourth level</a:t>
             </a:r>
           </a:p>
           <a:p>
             <a:pPr lvl="4"/>
             <a:r>
-              <a:rPr lang="en-US" smtClean="0"/>
+              <a:rPr lang="en-US"/>
               <a:t>Fifth level</a:t>
             </a:r>
             <a:endParaRPr lang="en-SG"/>
@@ -1672,7 +1672,7 @@
           <a:p>
             <a:pPr lvl="0"/>
             <a:r>
-              <a:rPr lang="en-US" smtClean="0"/>
+              <a:rPr lang="en-US"/>
               <a:t>Click to edit Master text styles</a:t>
             </a:r>
           </a:p>
@@ -1728,35 +1728,35 @@
           <a:p>
             <a:pPr lvl="0"/>
             <a:r>
-              <a:rPr lang="en-US" smtClean="0"/>
+              <a:rPr lang="en-US"/>
               <a:t>Click to edit Master text styles</a:t>
             </a:r>
           </a:p>
           <a:p>
             <a:pPr lvl="1"/>
             <a:r>
-              <a:rPr lang="en-US" smtClean="0"/>
+              <a:rPr lang="en-US"/>
               <a:t>Second level</a:t>
             </a:r>
           </a:p>
           <a:p>
             <a:pPr lvl="2"/>
             <a:r>
-              <a:rPr lang="en-US" smtClean="0"/>
+              <a:rPr lang="en-US"/>
               <a:t>Third level</a:t>
             </a:r>
           </a:p>
           <a:p>
             <a:pPr lvl="3"/>
             <a:r>
-              <a:rPr lang="en-US" smtClean="0"/>
+              <a:rPr lang="en-US"/>
               <a:t>Fourth level</a:t>
             </a:r>
           </a:p>
           <a:p>
             <a:pPr lvl="4"/>
             <a:r>
-              <a:rPr lang="en-US" smtClean="0"/>
+              <a:rPr lang="en-US"/>
               <a:t>Fifth level</a:t>
             </a:r>
             <a:endParaRPr lang="en-SG"/>
@@ -1780,7 +1780,7 @@
           <a:p>
             <a:fld id="{A0F86979-30DA-49EE-A740-32EBA6D2B7DE}" type="datetimeFigureOut">
               <a:rPr lang="en-SG" smtClean="0"/>
-              <a:t>31/8/2017</a:t>
+              <a:t>29/11/2020</a:t>
             </a:fld>
             <a:endParaRPr lang="en-SG"/>
           </a:p>
@@ -1874,7 +1874,7 @@
           <a:lstStyle/>
           <a:p>
             <a:r>
-              <a:rPr lang="en-US" smtClean="0"/>
+              <a:rPr lang="en-US"/>
               <a:t>Click to edit Master title style</a:t>
             </a:r>
             <a:endParaRPr lang="en-SG"/>
@@ -1898,7 +1898,7 @@
           <a:p>
             <a:fld id="{A0F86979-30DA-49EE-A740-32EBA6D2B7DE}" type="datetimeFigureOut">
               <a:rPr lang="en-SG" smtClean="0"/>
-              <a:t>31/8/2017</a:t>
+              <a:t>29/11/2020</a:t>
             </a:fld>
             <a:endParaRPr lang="en-SG"/>
           </a:p>
@@ -1993,7 +1993,7 @@
           <a:p>
             <a:fld id="{A0F86979-30DA-49EE-A740-32EBA6D2B7DE}" type="datetimeFigureOut">
               <a:rPr lang="en-SG" smtClean="0"/>
-              <a:t>31/8/2017</a:t>
+              <a:t>29/11/2020</a:t>
             </a:fld>
             <a:endParaRPr lang="en-SG"/>
           </a:p>
@@ -2096,7 +2096,7 @@
           </a:lstStyle>
           <a:p>
             <a:r>
-              <a:rPr lang="en-US" smtClean="0"/>
+              <a:rPr lang="en-US"/>
               <a:t>Click to edit Master title style</a:t>
             </a:r>
             <a:endParaRPr lang="en-SG"/>
@@ -2153,35 +2153,35 @@
           <a:p>
             <a:pPr lvl="0"/>
             <a:r>
-              <a:rPr lang="en-US" smtClean="0"/>
+              <a:rPr lang="en-US"/>
               <a:t>Click to edit Master text styles</a:t>
             </a:r>
           </a:p>
           <a:p>
             <a:pPr lvl="1"/>
             <a:r>
-              <a:rPr lang="en-US" smtClean="0"/>
+              <a:rPr lang="en-US"/>
               <a:t>Second level</a:t>
             </a:r>
           </a:p>
           <a:p>
             <a:pPr lvl="2"/>
             <a:r>
-              <a:rPr lang="en-US" smtClean="0"/>
+              <a:rPr lang="en-US"/>
               <a:t>Third level</a:t>
             </a:r>
           </a:p>
           <a:p>
             <a:pPr lvl="3"/>
             <a:r>
-              <a:rPr lang="en-US" smtClean="0"/>
+              <a:rPr lang="en-US"/>
               <a:t>Fourth level</a:t>
             </a:r>
           </a:p>
           <a:p>
             <a:pPr lvl="4"/>
             <a:r>
-              <a:rPr lang="en-US" smtClean="0"/>
+              <a:rPr lang="en-US"/>
               <a:t>Fifth level</a:t>
             </a:r>
             <a:endParaRPr lang="en-SG"/>
@@ -2247,7 +2247,7 @@
           <a:p>
             <a:pPr lvl="0"/>
             <a:r>
-              <a:rPr lang="en-US" smtClean="0"/>
+              <a:rPr lang="en-US"/>
               <a:t>Click to edit Master text styles</a:t>
             </a:r>
           </a:p>
@@ -2270,7 +2270,7 @@
           <a:p>
             <a:fld id="{A0F86979-30DA-49EE-A740-32EBA6D2B7DE}" type="datetimeFigureOut">
               <a:rPr lang="en-SG" smtClean="0"/>
-              <a:t>31/8/2017</a:t>
+              <a:t>29/11/2020</a:t>
             </a:fld>
             <a:endParaRPr lang="en-SG"/>
           </a:p>
@@ -2373,7 +2373,7 @@
           </a:lstStyle>
           <a:p>
             <a:r>
-              <a:rPr lang="en-US" smtClean="0"/>
+              <a:rPr lang="en-US"/>
               <a:t>Click to edit Master title style</a:t>
             </a:r>
             <a:endParaRPr lang="en-SG"/>
@@ -2500,7 +2500,7 @@
           <a:p>
             <a:pPr lvl="0"/>
             <a:r>
-              <a:rPr lang="en-US" smtClean="0"/>
+              <a:rPr lang="en-US"/>
               <a:t>Click to edit Master text styles</a:t>
             </a:r>
           </a:p>
@@ -2523,7 +2523,7 @@
           <a:p>
             <a:fld id="{A0F86979-30DA-49EE-A740-32EBA6D2B7DE}" type="datetimeFigureOut">
               <a:rPr lang="en-SG" smtClean="0"/>
-              <a:t>31/8/2017</a:t>
+              <a:t>29/11/2020</a:t>
             </a:fld>
             <a:endParaRPr lang="en-SG"/>
           </a:p>
@@ -2632,7 +2632,7 @@
           <a:lstStyle/>
           <a:p>
             <a:r>
-              <a:rPr lang="en-US" smtClean="0"/>
+              <a:rPr lang="en-US"/>
               <a:t>Click to edit Master title style</a:t>
             </a:r>
             <a:endParaRPr lang="en-SG"/>
@@ -2666,35 +2666,35 @@
           <a:p>
             <a:pPr lvl="0"/>
             <a:r>
-              <a:rPr lang="en-US" smtClean="0"/>
+              <a:rPr lang="en-US"/>
               <a:t>Click to edit Master text styles</a:t>
             </a:r>
           </a:p>
           <a:p>
             <a:pPr lvl="1"/>
             <a:r>
-              <a:rPr lang="en-US" smtClean="0"/>
+              <a:rPr lang="en-US"/>
               <a:t>Second level</a:t>
             </a:r>
           </a:p>
           <a:p>
             <a:pPr lvl="2"/>
             <a:r>
-              <a:rPr lang="en-US" smtClean="0"/>
+              <a:rPr lang="en-US"/>
               <a:t>Third level</a:t>
             </a:r>
           </a:p>
           <a:p>
             <a:pPr lvl="3"/>
             <a:r>
-              <a:rPr lang="en-US" smtClean="0"/>
+              <a:rPr lang="en-US"/>
               <a:t>Fourth level</a:t>
             </a:r>
           </a:p>
           <a:p>
             <a:pPr lvl="4"/>
             <a:r>
-              <a:rPr lang="en-US" smtClean="0"/>
+              <a:rPr lang="en-US"/>
               <a:t>Fifth level</a:t>
             </a:r>
             <a:endParaRPr lang="en-SG"/>
@@ -2736,7 +2736,7 @@
           <a:p>
             <a:fld id="{A0F86979-30DA-49EE-A740-32EBA6D2B7DE}" type="datetimeFigureOut">
               <a:rPr lang="en-SG" smtClean="0"/>
-              <a:t>31/8/2017</a:t>
+              <a:t>29/11/2020</a:t>
             </a:fld>
             <a:endParaRPr lang="en-SG"/>
           </a:p>
@@ -3169,7 +3169,7 @@
               <a:defRPr/>
             </a:pPr>
             <a:r>
-              <a:rPr kumimoji="0" lang="en-US" sz="1800" b="0" i="0" u="none" strike="noStrike" kern="0" cap="none" spc="0" normalizeH="0" baseline="0" noProof="0" dirty="0" smtClean="0">
+              <a:rPr kumimoji="0" lang="en-US" sz="1800" b="0" i="0" u="none" strike="noStrike" kern="0" cap="none" spc="0" normalizeH="0" baseline="0" noProof="0" dirty="0">
                 <a:ln>
                   <a:noFill/>
                 </a:ln>
@@ -3183,18 +3183,6 @@
               </a:rPr>
               <a:t>Player</a:t>
             </a:r>
-            <a:endParaRPr kumimoji="0" lang="en-US" sz="1800" b="0" i="0" u="none" strike="noStrike" kern="0" cap="none" spc="0" normalizeH="0" baseline="0" noProof="0" dirty="0">
-              <a:ln>
-                <a:noFill/>
-              </a:ln>
-              <a:solidFill>
-                <a:sysClr val="windowText" lastClr="000000"/>
-              </a:solidFill>
-              <a:effectLst/>
-              <a:uLnTx/>
-              <a:uFillTx/>
-              <a:latin typeface="Calibri" pitchFamily="34" charset="0"/>
-            </a:endParaRPr>
           </a:p>
         </p:txBody>
       </p:sp>
@@ -3252,7 +3240,7 @@
               <a:defRPr/>
             </a:pPr>
             <a:r>
-              <a:rPr kumimoji="0" lang="en-US" sz="1800" b="0" i="0" u="none" strike="noStrike" kern="0" cap="none" spc="0" normalizeH="0" baseline="0" noProof="0" dirty="0" smtClean="0">
+              <a:rPr kumimoji="0" lang="en-US" sz="1800" b="0" i="0" u="none" strike="noStrike" kern="0" cap="none" spc="0" normalizeH="0" baseline="0" noProof="0" dirty="0">
                 <a:ln>
                   <a:noFill/>
                 </a:ln>
@@ -3266,18 +3254,6 @@
               </a:rPr>
               <a:t>Die</a:t>
             </a:r>
-            <a:endParaRPr kumimoji="0" lang="en-US" sz="1800" b="0" i="0" u="none" strike="noStrike" kern="0" cap="none" spc="0" normalizeH="0" baseline="0" noProof="0" dirty="0">
-              <a:ln>
-                <a:noFill/>
-              </a:ln>
-              <a:solidFill>
-                <a:sysClr val="windowText" lastClr="000000"/>
-              </a:solidFill>
-              <a:effectLst/>
-              <a:uLnTx/>
-              <a:uFillTx/>
-              <a:latin typeface="Calibri" pitchFamily="34" charset="0"/>
-            </a:endParaRPr>
           </a:p>
         </p:txBody>
       </p:sp>
@@ -3339,7 +3315,7 @@
               <a:defRPr/>
             </a:pPr>
             <a:r>
-              <a:rPr kumimoji="0" lang="en-US" sz="1800" b="0" i="0" u="none" strike="noStrike" kern="0" cap="none" spc="0" normalizeH="0" baseline="0" noProof="0" dirty="0" smtClean="0">
+              <a:rPr kumimoji="0" lang="en-US" sz="1800" b="0" i="0" u="none" strike="noStrike" kern="0" cap="none" spc="0" normalizeH="0" baseline="0" noProof="0" dirty="0">
                 <a:ln>
                   <a:noFill/>
                 </a:ln>
@@ -3353,18 +3329,6 @@
               </a:rPr>
               <a:t>Turn</a:t>
             </a:r>
-            <a:endParaRPr kumimoji="0" lang="en-US" sz="1800" b="0" i="0" u="none" strike="noStrike" kern="0" cap="none" spc="0" normalizeH="0" baseline="0" noProof="0" dirty="0">
-              <a:ln>
-                <a:noFill/>
-              </a:ln>
-              <a:solidFill>
-                <a:sysClr val="windowText" lastClr="000000"/>
-              </a:solidFill>
-              <a:effectLst/>
-              <a:uLnTx/>
-              <a:uFillTx/>
-              <a:latin typeface="Calibri" pitchFamily="34" charset="0"/>
-            </a:endParaRPr>
           </a:p>
         </p:txBody>
       </p:sp>
@@ -3480,22 +3444,31 @@
               <a:defRPr/>
             </a:pPr>
             <a:r>
-              <a:rPr lang="en-US" kern="0" noProof="0" dirty="0" err="1" smtClean="0">
+              <a:rPr lang="en-US" kern="0" dirty="0">
                 <a:solidFill>
                   <a:sysClr val="windowText" lastClr="000000"/>
                 </a:solidFill>
                 <a:latin typeface="Calibri" pitchFamily="34" charset="0"/>
               </a:rPr>
-              <a:t>FaceValue</a:t>
-            </a:r>
-            <a:r>
-              <a:rPr lang="en-US" b="1" kern="0" noProof="0" dirty="0" smtClean="0">
+              <a:t>f</a:t>
+            </a:r>
+            <a:r>
+              <a:rPr lang="en-US" kern="0" noProof="0" dirty="0" err="1">
+                <a:solidFill>
+                  <a:sysClr val="windowText" lastClr="000000"/>
+                </a:solidFill>
+                <a:latin typeface="Calibri" pitchFamily="34" charset="0"/>
+              </a:rPr>
+              <a:t>aceValue</a:t>
+            </a:r>
+            <a:r>
+              <a:rPr lang="en-US" b="1" kern="0" noProof="0" dirty="0">
                 <a:latin typeface="Calibri" pitchFamily="34" charset="0"/>
               </a:rPr>
               <a:t>: </a:t>
             </a:r>
             <a:r>
-              <a:rPr lang="en-US" b="1" kern="0" noProof="0" dirty="0" err="1" smtClean="0">
+              <a:rPr lang="en-US" b="1" kern="0" noProof="0" dirty="0" err="1">
                 <a:solidFill>
                   <a:srgbClr val="FF0000"/>
                 </a:solidFill>
@@ -3606,7 +3579,7 @@
               <a:defRPr/>
             </a:pPr>
             <a:r>
-              <a:rPr kumimoji="0" lang="en-US" sz="1800" b="1" i="0" u="none" strike="noStrike" kern="0" cap="none" spc="0" normalizeH="0" baseline="0" noProof="0" dirty="0" smtClean="0">
+              <a:rPr kumimoji="0" lang="en-US" sz="1800" b="1" i="0" u="none" strike="noStrike" kern="0" cap="none" spc="0" normalizeH="0" baseline="0" noProof="0" dirty="0">
                 <a:ln>
                   <a:noFill/>
                 </a:ln>
@@ -3621,7 +3594,7 @@
               <a:t>&lt;&lt;enumeration&gt;&gt;</a:t>
             </a:r>
             <a:br>
-              <a:rPr kumimoji="0" lang="en-US" sz="1800" b="1" i="0" u="none" strike="noStrike" kern="0" cap="none" spc="0" normalizeH="0" baseline="0" noProof="0" dirty="0" smtClean="0">
+              <a:rPr kumimoji="0" lang="en-US" sz="1800" b="1" i="0" u="none" strike="noStrike" kern="0" cap="none" spc="0" normalizeH="0" baseline="0" noProof="0" dirty="0">
                 <a:ln>
                   <a:noFill/>
                 </a:ln>
@@ -3635,7 +3608,7 @@
               </a:rPr>
             </a:br>
             <a:r>
-              <a:rPr lang="en-US" b="1" kern="0" dirty="0" err="1" smtClean="0">
+              <a:rPr lang="en-US" b="1" kern="0" dirty="0" err="1">
                 <a:solidFill>
                   <a:srgbClr val="FF0000"/>
                 </a:solidFill>
@@ -3733,7 +3706,7 @@
               <a:defRPr/>
             </a:pPr>
             <a:r>
-              <a:rPr lang="en-US" b="1" kern="0" noProof="0" dirty="0" smtClean="0">
+              <a:rPr lang="en-US" b="1" kern="0" noProof="0" dirty="0">
                 <a:solidFill>
                   <a:srgbClr val="FF0000"/>
                 </a:solidFill>
@@ -3741,12 +3714,6 @@
               </a:rPr>
               <a:t>1</a:t>
             </a:r>
-            <a:endParaRPr lang="en-US" b="1" kern="0" noProof="0" dirty="0" smtClean="0">
-              <a:solidFill>
-                <a:srgbClr val="FF0000"/>
-              </a:solidFill>
-              <a:latin typeface="Calibri" pitchFamily="34" charset="0"/>
-            </a:endParaRPr>
           </a:p>
           <a:p>
             <a:pPr marL="171450" marR="0" lvl="0" defTabSz="914400" eaLnBrk="1" fontAlgn="auto" latinLnBrk="0" hangingPunct="1">
@@ -3767,7 +3734,7 @@
               <a:defRPr/>
             </a:pPr>
             <a:r>
-              <a:rPr lang="en-US" b="1" kern="0" noProof="0" dirty="0" smtClean="0">
+              <a:rPr lang="en-US" b="1" kern="0" noProof="0" dirty="0">
                 <a:solidFill>
                   <a:srgbClr val="FF0000"/>
                 </a:solidFill>
@@ -3775,12 +3742,6 @@
               </a:rPr>
               <a:t>2</a:t>
             </a:r>
-            <a:endParaRPr lang="en-US" b="1" kern="0" noProof="0" dirty="0" smtClean="0">
-              <a:solidFill>
-                <a:srgbClr val="FF0000"/>
-              </a:solidFill>
-              <a:latin typeface="Calibri" pitchFamily="34" charset="0"/>
-            </a:endParaRPr>
           </a:p>
           <a:p>
             <a:pPr marL="171450" marR="0" lvl="0" defTabSz="914400" eaLnBrk="1" fontAlgn="auto" latinLnBrk="0" hangingPunct="1">
@@ -3801,7 +3762,7 @@
               <a:defRPr/>
             </a:pPr>
             <a:r>
-              <a:rPr lang="en-US" b="1" kern="0" noProof="0" dirty="0" smtClean="0">
+              <a:rPr lang="en-US" b="1" kern="0" noProof="0" dirty="0">
                 <a:solidFill>
                   <a:srgbClr val="FF0000"/>
                 </a:solidFill>
@@ -3809,12 +3770,6 @@
               </a:rPr>
               <a:t>3</a:t>
             </a:r>
-            <a:endParaRPr lang="en-US" b="1" kern="0" noProof="0" dirty="0" smtClean="0">
-              <a:solidFill>
-                <a:srgbClr val="FF0000"/>
-              </a:solidFill>
-              <a:latin typeface="Calibri" pitchFamily="34" charset="0"/>
-            </a:endParaRPr>
           </a:p>
           <a:p>
             <a:pPr marL="171450" marR="0" lvl="0" defTabSz="914400" eaLnBrk="1" fontAlgn="auto" latinLnBrk="0" hangingPunct="1">
@@ -3835,7 +3790,7 @@
               <a:defRPr/>
             </a:pPr>
             <a:r>
-              <a:rPr lang="en-US" b="1" kern="0" noProof="0" dirty="0" smtClean="0">
+              <a:rPr lang="en-US" b="1" kern="0" noProof="0" dirty="0">
                 <a:solidFill>
                   <a:srgbClr val="FF0000"/>
                 </a:solidFill>
@@ -3843,12 +3798,6 @@
               </a:rPr>
               <a:t>4</a:t>
             </a:r>
-            <a:endParaRPr lang="en-US" b="1" kern="0" noProof="0" dirty="0" smtClean="0">
-              <a:solidFill>
-                <a:srgbClr val="FF0000"/>
-              </a:solidFill>
-              <a:latin typeface="Calibri" pitchFamily="34" charset="0"/>
-            </a:endParaRPr>
           </a:p>
           <a:p>
             <a:pPr marL="171450" marR="0" lvl="0" defTabSz="914400" eaLnBrk="1" fontAlgn="auto" latinLnBrk="0" hangingPunct="1">
@@ -3869,7 +3818,7 @@
               <a:defRPr/>
             </a:pPr>
             <a:r>
-              <a:rPr lang="en-US" b="1" kern="0" noProof="0" dirty="0" smtClean="0">
+              <a:rPr lang="en-US" b="1" kern="0" noProof="0" dirty="0">
                 <a:solidFill>
                   <a:srgbClr val="FF0000"/>
                 </a:solidFill>
@@ -3877,12 +3826,6 @@
               </a:rPr>
               <a:t>5</a:t>
             </a:r>
-            <a:endParaRPr lang="en-US" b="1" kern="0" noProof="0" dirty="0" smtClean="0">
-              <a:solidFill>
-                <a:srgbClr val="FF0000"/>
-              </a:solidFill>
-              <a:latin typeface="Calibri" pitchFamily="34" charset="0"/>
-            </a:endParaRPr>
           </a:p>
           <a:p>
             <a:pPr marL="171450" marR="0" lvl="0" defTabSz="914400" eaLnBrk="1" fontAlgn="auto" latinLnBrk="0" hangingPunct="1">
@@ -3903,7 +3846,7 @@
               <a:defRPr/>
             </a:pPr>
             <a:r>
-              <a:rPr lang="en-US" b="1" kern="0" noProof="0" dirty="0" smtClean="0">
+              <a:rPr lang="en-US" b="1" kern="0" noProof="0" dirty="0">
                 <a:solidFill>
                   <a:srgbClr val="FF0000"/>
                 </a:solidFill>
@@ -3984,7 +3927,7 @@
               <a:defRPr/>
             </a:pPr>
             <a:r>
-              <a:rPr kumimoji="0" lang="en-US" sz="1800" b="0" i="0" u="none" strike="noStrike" kern="0" cap="none" spc="0" normalizeH="0" baseline="0" noProof="0" dirty="0" err="1" smtClean="0">
+              <a:rPr kumimoji="0" lang="en-US" sz="1800" b="0" i="0" u="none" strike="noStrike" kern="0" cap="none" spc="0" normalizeH="0" baseline="0" noProof="0" dirty="0" err="1">
                 <a:ln>
                   <a:noFill/>
                 </a:ln>
@@ -3999,7 +3942,7 @@
               <a:t>status:</a:t>
             </a:r>
             <a:r>
-              <a:rPr kumimoji="0" lang="en-US" sz="1800" b="1" i="0" u="none" strike="noStrike" kern="0" cap="none" spc="0" normalizeH="0" baseline="0" noProof="0" dirty="0" err="1" smtClean="0">
+              <a:rPr kumimoji="0" lang="en-US" sz="1800" b="1" i="0" u="none" strike="noStrike" kern="0" cap="none" spc="0" normalizeH="0" baseline="0" noProof="0" dirty="0" err="1">
                 <a:ln>
                   <a:noFill/>
                 </a:ln>
@@ -4068,7 +4011,7 @@
               <a:defRPr/>
             </a:pPr>
             <a:r>
-              <a:rPr kumimoji="0" lang="en-US" sz="1800" b="1" i="0" u="none" strike="noStrike" kern="0" cap="none" spc="0" normalizeH="0" baseline="0" noProof="0" dirty="0" smtClean="0">
+              <a:rPr kumimoji="0" lang="en-US" sz="1800" b="1" i="0" u="none" strike="noStrike" kern="0" cap="none" spc="0" normalizeH="0" baseline="0" noProof="0" dirty="0">
                 <a:ln>
                   <a:noFill/>
                 </a:ln>
@@ -4083,7 +4026,7 @@
               <a:t>&lt;&lt;enumeration&gt;&gt;</a:t>
             </a:r>
             <a:br>
-              <a:rPr kumimoji="0" lang="en-US" sz="1800" b="1" i="0" u="none" strike="noStrike" kern="0" cap="none" spc="0" normalizeH="0" baseline="0" noProof="0" dirty="0" smtClean="0">
+              <a:rPr kumimoji="0" lang="en-US" sz="1800" b="1" i="0" u="none" strike="noStrike" kern="0" cap="none" spc="0" normalizeH="0" baseline="0" noProof="0" dirty="0">
                 <a:ln>
                   <a:noFill/>
                 </a:ln>
@@ -4097,7 +4040,7 @@
               </a:rPr>
             </a:br>
             <a:r>
-              <a:rPr lang="en-US" b="1" kern="0" dirty="0" smtClean="0">
+              <a:rPr lang="en-US" b="1" kern="0" dirty="0">
                 <a:solidFill>
                   <a:srgbClr val="FF0000"/>
                 </a:solidFill>
@@ -4174,7 +4117,7 @@
               <a:defRPr/>
             </a:pPr>
             <a:r>
-              <a:rPr lang="en-US" b="1" kern="0" noProof="0" dirty="0" smtClean="0">
+              <a:rPr lang="en-US" b="1" kern="0" noProof="0" dirty="0">
                 <a:solidFill>
                   <a:srgbClr val="FF0000"/>
                 </a:solidFill>
@@ -4202,7 +4145,7 @@
               <a:defRPr/>
             </a:pPr>
             <a:r>
-              <a:rPr kumimoji="0" lang="en-US" sz="1800" b="1" i="0" u="none" strike="noStrike" kern="0" cap="none" spc="0" normalizeH="0" baseline="0" dirty="0" smtClean="0">
+              <a:rPr kumimoji="0" lang="en-US" sz="1800" b="1" i="0" u="none" strike="noStrike" kern="0" cap="none" spc="0" normalizeH="0" baseline="0" dirty="0">
                 <a:ln>
                   <a:noFill/>
                 </a:ln>
@@ -4236,7 +4179,7 @@
               <a:defRPr/>
             </a:pPr>
             <a:r>
-              <a:rPr lang="en-US" b="1" kern="0" noProof="0" dirty="0" smtClean="0">
+              <a:rPr lang="en-US" b="1" kern="0" noProof="0" dirty="0">
                 <a:solidFill>
                   <a:srgbClr val="FF0000"/>
                 </a:solidFill>
@@ -4269,13 +4212,6 @@
   <p:clrMapOvr>
     <a:masterClrMapping/>
   </p:clrMapOvr>
-  <p:timing>
-    <p:tnLst>
-      <p:par>
-        <p:cTn id="1" dur="indefinite" restart="never" nodeType="tmRoot"/>
-      </p:par>
-    </p:tnLst>
-  </p:timing>
 </p:sld>
 </file>
 
